--- a/ppt 16-9/1420.操练身体.pptx
+++ b/ppt 16-9/1420.操练身体.pptx
@@ -129,7 +129,7 @@
           <p:cNvPr id="2" name="标题 1">
             <a:extLst>
               <a:ext uri="{FF2B5EF4-FFF2-40B4-BE49-F238E27FC236}">
-                <a16:creationId xmlns:a16="http://schemas.microsoft.com/office/drawing/2014/main" id="{3B0BC1C1-83DC-F117-38EE-0898D15D5821}"/>
+                <a16:creationId xmlns:a16="http://schemas.microsoft.com/office/drawing/2014/main" id="{656E4CAA-9F7B-A864-2DFE-C51E1CFA0E3D}"/>
               </a:ext>
             </a:extLst>
           </p:cNvPr>
@@ -166,7 +166,7 @@
           <p:cNvPr id="3" name="副标题 2">
             <a:extLst>
               <a:ext uri="{FF2B5EF4-FFF2-40B4-BE49-F238E27FC236}">
-                <a16:creationId xmlns:a16="http://schemas.microsoft.com/office/drawing/2014/main" id="{9C4BF7BC-88C0-BCF0-75BC-61990108C709}"/>
+                <a16:creationId xmlns:a16="http://schemas.microsoft.com/office/drawing/2014/main" id="{23278433-B845-2A61-4CDF-941AD2B46776}"/>
               </a:ext>
             </a:extLst>
           </p:cNvPr>
@@ -236,7 +236,7 @@
           <p:cNvPr id="4" name="日期占位符 3">
             <a:extLst>
               <a:ext uri="{FF2B5EF4-FFF2-40B4-BE49-F238E27FC236}">
-                <a16:creationId xmlns:a16="http://schemas.microsoft.com/office/drawing/2014/main" id="{685D6E90-23A6-9E22-9524-E41692A598B9}"/>
+                <a16:creationId xmlns:a16="http://schemas.microsoft.com/office/drawing/2014/main" id="{CC80EF50-830B-4BC4-61ED-731381577E6B}"/>
               </a:ext>
             </a:extLst>
           </p:cNvPr>
@@ -252,7 +252,7 @@
           <a:bodyPr/>
           <a:lstStyle/>
           <a:p>
-            <a:fld id="{1031885F-9B5F-4463-BB22-7F27E4FB59D4}" type="datetimeFigureOut">
+            <a:fld id="{2E91B748-3081-456E-A9C4-D11A5DFE1A6A}" type="datetimeFigureOut">
               <a:rPr lang="zh-CN" altLang="en-US" smtClean="0"/>
               <a:t>2024/3/10</a:t>
             </a:fld>
@@ -265,7 +265,7 @@
           <p:cNvPr id="5" name="页脚占位符 4">
             <a:extLst>
               <a:ext uri="{FF2B5EF4-FFF2-40B4-BE49-F238E27FC236}">
-                <a16:creationId xmlns:a16="http://schemas.microsoft.com/office/drawing/2014/main" id="{4AB1BCD4-90D3-BE71-72AC-32C3F37E121E}"/>
+                <a16:creationId xmlns:a16="http://schemas.microsoft.com/office/drawing/2014/main" id="{0A393478-3437-046A-0B6B-A2246702EE4F}"/>
               </a:ext>
             </a:extLst>
           </p:cNvPr>
@@ -290,7 +290,7 @@
           <p:cNvPr id="6" name="灯片编号占位符 5">
             <a:extLst>
               <a:ext uri="{FF2B5EF4-FFF2-40B4-BE49-F238E27FC236}">
-                <a16:creationId xmlns:a16="http://schemas.microsoft.com/office/drawing/2014/main" id="{BF04F7CB-A468-AB2D-56ED-C2DAAF1B4F87}"/>
+                <a16:creationId xmlns:a16="http://schemas.microsoft.com/office/drawing/2014/main" id="{C265815A-9A47-1DC5-B608-126787AE1407}"/>
               </a:ext>
             </a:extLst>
           </p:cNvPr>
@@ -306,7 +306,7 @@
           <a:bodyPr/>
           <a:lstStyle/>
           <a:p>
-            <a:fld id="{C9D4FD28-FC6D-44DD-9C66-58C0150BB2B3}" type="slidenum">
+            <a:fld id="{33F2C2C5-0904-40B8-A0C4-C549F08E5780}" type="slidenum">
               <a:rPr lang="zh-CN" altLang="en-US" smtClean="0"/>
               <a:t>‹#›</a:t>
             </a:fld>
@@ -317,7 +317,7 @@
     </p:spTree>
     <p:extLst>
       <p:ext uri="{BB962C8B-B14F-4D97-AF65-F5344CB8AC3E}">
-        <p14:creationId xmlns:p14="http://schemas.microsoft.com/office/powerpoint/2010/main" val="621764305"/>
+        <p14:creationId xmlns:p14="http://schemas.microsoft.com/office/powerpoint/2010/main" val="2651005218"/>
       </p:ext>
     </p:extLst>
   </p:cSld>
@@ -349,7 +349,7 @@
           <p:cNvPr id="2" name="标题 1">
             <a:extLst>
               <a:ext uri="{FF2B5EF4-FFF2-40B4-BE49-F238E27FC236}">
-                <a16:creationId xmlns:a16="http://schemas.microsoft.com/office/drawing/2014/main" id="{24CB8A4F-060E-2020-344F-A483D2E37A42}"/>
+                <a16:creationId xmlns:a16="http://schemas.microsoft.com/office/drawing/2014/main" id="{5003D112-36F8-5BB0-39C9-9AFF749E6B24}"/>
               </a:ext>
             </a:extLst>
           </p:cNvPr>
@@ -377,7 +377,7 @@
           <p:cNvPr id="3" name="竖排文字占位符 2">
             <a:extLst>
               <a:ext uri="{FF2B5EF4-FFF2-40B4-BE49-F238E27FC236}">
-                <a16:creationId xmlns:a16="http://schemas.microsoft.com/office/drawing/2014/main" id="{36429FA2-89A2-A374-ACEA-6F2D63B274A9}"/>
+                <a16:creationId xmlns:a16="http://schemas.microsoft.com/office/drawing/2014/main" id="{F5DFD50A-BCA3-AA3B-D80B-9E21FF94535A}"/>
               </a:ext>
             </a:extLst>
           </p:cNvPr>
@@ -434,7 +434,7 @@
           <p:cNvPr id="4" name="日期占位符 3">
             <a:extLst>
               <a:ext uri="{FF2B5EF4-FFF2-40B4-BE49-F238E27FC236}">
-                <a16:creationId xmlns:a16="http://schemas.microsoft.com/office/drawing/2014/main" id="{B1E96FDA-44AE-F2AA-BA9F-085D77C7237E}"/>
+                <a16:creationId xmlns:a16="http://schemas.microsoft.com/office/drawing/2014/main" id="{0A01E6B9-C470-5A6D-2BAF-C324A2391017}"/>
               </a:ext>
             </a:extLst>
           </p:cNvPr>
@@ -450,7 +450,7 @@
           <a:bodyPr/>
           <a:lstStyle/>
           <a:p>
-            <a:fld id="{1031885F-9B5F-4463-BB22-7F27E4FB59D4}" type="datetimeFigureOut">
+            <a:fld id="{2E91B748-3081-456E-A9C4-D11A5DFE1A6A}" type="datetimeFigureOut">
               <a:rPr lang="zh-CN" altLang="en-US" smtClean="0"/>
               <a:t>2024/3/10</a:t>
             </a:fld>
@@ -463,7 +463,7 @@
           <p:cNvPr id="5" name="页脚占位符 4">
             <a:extLst>
               <a:ext uri="{FF2B5EF4-FFF2-40B4-BE49-F238E27FC236}">
-                <a16:creationId xmlns:a16="http://schemas.microsoft.com/office/drawing/2014/main" id="{752686F2-FF90-567E-7E6A-2EBB4217827A}"/>
+                <a16:creationId xmlns:a16="http://schemas.microsoft.com/office/drawing/2014/main" id="{D6F0510C-AF66-6D0F-A5EE-B195BDA7C5B9}"/>
               </a:ext>
             </a:extLst>
           </p:cNvPr>
@@ -488,7 +488,7 @@
           <p:cNvPr id="6" name="灯片编号占位符 5">
             <a:extLst>
               <a:ext uri="{FF2B5EF4-FFF2-40B4-BE49-F238E27FC236}">
-                <a16:creationId xmlns:a16="http://schemas.microsoft.com/office/drawing/2014/main" id="{5465D841-76E6-C834-5F18-6E979809079A}"/>
+                <a16:creationId xmlns:a16="http://schemas.microsoft.com/office/drawing/2014/main" id="{DEC8D082-A929-4553-EDC0-958992B7E2D8}"/>
               </a:ext>
             </a:extLst>
           </p:cNvPr>
@@ -504,7 +504,7 @@
           <a:bodyPr/>
           <a:lstStyle/>
           <a:p>
-            <a:fld id="{C9D4FD28-FC6D-44DD-9C66-58C0150BB2B3}" type="slidenum">
+            <a:fld id="{33F2C2C5-0904-40B8-A0C4-C549F08E5780}" type="slidenum">
               <a:rPr lang="zh-CN" altLang="en-US" smtClean="0"/>
               <a:t>‹#›</a:t>
             </a:fld>
@@ -515,7 +515,7 @@
     </p:spTree>
     <p:extLst>
       <p:ext uri="{BB962C8B-B14F-4D97-AF65-F5344CB8AC3E}">
-        <p14:creationId xmlns:p14="http://schemas.microsoft.com/office/powerpoint/2010/main" val="4151409327"/>
+        <p14:creationId xmlns:p14="http://schemas.microsoft.com/office/powerpoint/2010/main" val="183767032"/>
       </p:ext>
     </p:extLst>
   </p:cSld>
@@ -547,7 +547,7 @@
           <p:cNvPr id="2" name="竖排标题 1">
             <a:extLst>
               <a:ext uri="{FF2B5EF4-FFF2-40B4-BE49-F238E27FC236}">
-                <a16:creationId xmlns:a16="http://schemas.microsoft.com/office/drawing/2014/main" id="{BF8945E6-8B5B-8461-E2DB-FD093FD51A7E}"/>
+                <a16:creationId xmlns:a16="http://schemas.microsoft.com/office/drawing/2014/main" id="{84B5B090-A274-E603-D772-CDC38A052E95}"/>
               </a:ext>
             </a:extLst>
           </p:cNvPr>
@@ -580,7 +580,7 @@
           <p:cNvPr id="3" name="竖排文字占位符 2">
             <a:extLst>
               <a:ext uri="{FF2B5EF4-FFF2-40B4-BE49-F238E27FC236}">
-                <a16:creationId xmlns:a16="http://schemas.microsoft.com/office/drawing/2014/main" id="{D3E5CDB5-EBF8-B3AD-D213-96888E5A3F09}"/>
+                <a16:creationId xmlns:a16="http://schemas.microsoft.com/office/drawing/2014/main" id="{F3D0EB52-4EA5-91B4-EBE1-9D33F9610E8D}"/>
               </a:ext>
             </a:extLst>
           </p:cNvPr>
@@ -642,7 +642,7 @@
           <p:cNvPr id="4" name="日期占位符 3">
             <a:extLst>
               <a:ext uri="{FF2B5EF4-FFF2-40B4-BE49-F238E27FC236}">
-                <a16:creationId xmlns:a16="http://schemas.microsoft.com/office/drawing/2014/main" id="{0F1F816F-8F90-C32A-7920-05A5A5E3F0F9}"/>
+                <a16:creationId xmlns:a16="http://schemas.microsoft.com/office/drawing/2014/main" id="{98DFC97C-79F0-49F5-4D7B-930EA7E72005}"/>
               </a:ext>
             </a:extLst>
           </p:cNvPr>
@@ -658,7 +658,7 @@
           <a:bodyPr/>
           <a:lstStyle/>
           <a:p>
-            <a:fld id="{1031885F-9B5F-4463-BB22-7F27E4FB59D4}" type="datetimeFigureOut">
+            <a:fld id="{2E91B748-3081-456E-A9C4-D11A5DFE1A6A}" type="datetimeFigureOut">
               <a:rPr lang="zh-CN" altLang="en-US" smtClean="0"/>
               <a:t>2024/3/10</a:t>
             </a:fld>
@@ -671,7 +671,7 @@
           <p:cNvPr id="5" name="页脚占位符 4">
             <a:extLst>
               <a:ext uri="{FF2B5EF4-FFF2-40B4-BE49-F238E27FC236}">
-                <a16:creationId xmlns:a16="http://schemas.microsoft.com/office/drawing/2014/main" id="{A7F9B1FA-B933-7AC4-E15C-76D7139BDF48}"/>
+                <a16:creationId xmlns:a16="http://schemas.microsoft.com/office/drawing/2014/main" id="{1AF73B90-F987-E1D5-518D-CD011012D39C}"/>
               </a:ext>
             </a:extLst>
           </p:cNvPr>
@@ -696,7 +696,7 @@
           <p:cNvPr id="6" name="灯片编号占位符 5">
             <a:extLst>
               <a:ext uri="{FF2B5EF4-FFF2-40B4-BE49-F238E27FC236}">
-                <a16:creationId xmlns:a16="http://schemas.microsoft.com/office/drawing/2014/main" id="{304FA7EF-9BDE-F22A-A1F4-4B093D036353}"/>
+                <a16:creationId xmlns:a16="http://schemas.microsoft.com/office/drawing/2014/main" id="{A3AC938D-4880-6058-08A9-7A6194A41CCA}"/>
               </a:ext>
             </a:extLst>
           </p:cNvPr>
@@ -712,7 +712,7 @@
           <a:bodyPr/>
           <a:lstStyle/>
           <a:p>
-            <a:fld id="{C9D4FD28-FC6D-44DD-9C66-58C0150BB2B3}" type="slidenum">
+            <a:fld id="{33F2C2C5-0904-40B8-A0C4-C549F08E5780}" type="slidenum">
               <a:rPr lang="zh-CN" altLang="en-US" smtClean="0"/>
               <a:t>‹#›</a:t>
             </a:fld>
@@ -723,7 +723,7 @@
     </p:spTree>
     <p:extLst>
       <p:ext uri="{BB962C8B-B14F-4D97-AF65-F5344CB8AC3E}">
-        <p14:creationId xmlns:p14="http://schemas.microsoft.com/office/powerpoint/2010/main" val="1078409816"/>
+        <p14:creationId xmlns:p14="http://schemas.microsoft.com/office/powerpoint/2010/main" val="3794397311"/>
       </p:ext>
     </p:extLst>
   </p:cSld>
@@ -755,7 +755,7 @@
           <p:cNvPr id="2" name="标题 1">
             <a:extLst>
               <a:ext uri="{FF2B5EF4-FFF2-40B4-BE49-F238E27FC236}">
-                <a16:creationId xmlns:a16="http://schemas.microsoft.com/office/drawing/2014/main" id="{3AB22501-9943-6943-2D5F-11230B13CD71}"/>
+                <a16:creationId xmlns:a16="http://schemas.microsoft.com/office/drawing/2014/main" id="{30714896-FA89-9A05-A745-FCDDD50665B8}"/>
               </a:ext>
             </a:extLst>
           </p:cNvPr>
@@ -783,7 +783,7 @@
           <p:cNvPr id="3" name="内容占位符 2">
             <a:extLst>
               <a:ext uri="{FF2B5EF4-FFF2-40B4-BE49-F238E27FC236}">
-                <a16:creationId xmlns:a16="http://schemas.microsoft.com/office/drawing/2014/main" id="{C2D785DA-A096-9659-0693-F6AF41B54613}"/>
+                <a16:creationId xmlns:a16="http://schemas.microsoft.com/office/drawing/2014/main" id="{C05A7D37-1F46-8906-4B8B-17B35F5B3D72}"/>
               </a:ext>
             </a:extLst>
           </p:cNvPr>
@@ -840,7 +840,7 @@
           <p:cNvPr id="4" name="日期占位符 3">
             <a:extLst>
               <a:ext uri="{FF2B5EF4-FFF2-40B4-BE49-F238E27FC236}">
-                <a16:creationId xmlns:a16="http://schemas.microsoft.com/office/drawing/2014/main" id="{71FB49C1-2110-5A50-C11D-7EE9A43F9376}"/>
+                <a16:creationId xmlns:a16="http://schemas.microsoft.com/office/drawing/2014/main" id="{19287B88-727E-1F45-4D3E-23804DBE534C}"/>
               </a:ext>
             </a:extLst>
           </p:cNvPr>
@@ -856,7 +856,7 @@
           <a:bodyPr/>
           <a:lstStyle/>
           <a:p>
-            <a:fld id="{1031885F-9B5F-4463-BB22-7F27E4FB59D4}" type="datetimeFigureOut">
+            <a:fld id="{2E91B748-3081-456E-A9C4-D11A5DFE1A6A}" type="datetimeFigureOut">
               <a:rPr lang="zh-CN" altLang="en-US" smtClean="0"/>
               <a:t>2024/3/10</a:t>
             </a:fld>
@@ -869,7 +869,7 @@
           <p:cNvPr id="5" name="页脚占位符 4">
             <a:extLst>
               <a:ext uri="{FF2B5EF4-FFF2-40B4-BE49-F238E27FC236}">
-                <a16:creationId xmlns:a16="http://schemas.microsoft.com/office/drawing/2014/main" id="{98B68AEC-145D-EF5C-3B3F-E5C7E4EB30FD}"/>
+                <a16:creationId xmlns:a16="http://schemas.microsoft.com/office/drawing/2014/main" id="{CD8CF380-D0A7-C273-1BD1-637F7CC89E4B}"/>
               </a:ext>
             </a:extLst>
           </p:cNvPr>
@@ -894,7 +894,7 @@
           <p:cNvPr id="6" name="灯片编号占位符 5">
             <a:extLst>
               <a:ext uri="{FF2B5EF4-FFF2-40B4-BE49-F238E27FC236}">
-                <a16:creationId xmlns:a16="http://schemas.microsoft.com/office/drawing/2014/main" id="{A1EFC114-DD6D-8B2C-019A-4032300888F6}"/>
+                <a16:creationId xmlns:a16="http://schemas.microsoft.com/office/drawing/2014/main" id="{8BCCF17F-6476-F92F-09DF-C5A226126889}"/>
               </a:ext>
             </a:extLst>
           </p:cNvPr>
@@ -910,7 +910,7 @@
           <a:bodyPr/>
           <a:lstStyle/>
           <a:p>
-            <a:fld id="{C9D4FD28-FC6D-44DD-9C66-58C0150BB2B3}" type="slidenum">
+            <a:fld id="{33F2C2C5-0904-40B8-A0C4-C549F08E5780}" type="slidenum">
               <a:rPr lang="zh-CN" altLang="en-US" smtClean="0"/>
               <a:t>‹#›</a:t>
             </a:fld>
@@ -921,7 +921,7 @@
     </p:spTree>
     <p:extLst>
       <p:ext uri="{BB962C8B-B14F-4D97-AF65-F5344CB8AC3E}">
-        <p14:creationId xmlns:p14="http://schemas.microsoft.com/office/powerpoint/2010/main" val="596559269"/>
+        <p14:creationId xmlns:p14="http://schemas.microsoft.com/office/powerpoint/2010/main" val="2567373319"/>
       </p:ext>
     </p:extLst>
   </p:cSld>
@@ -953,7 +953,7 @@
           <p:cNvPr id="2" name="标题 1">
             <a:extLst>
               <a:ext uri="{FF2B5EF4-FFF2-40B4-BE49-F238E27FC236}">
-                <a16:creationId xmlns:a16="http://schemas.microsoft.com/office/drawing/2014/main" id="{70CE11AC-50A2-D66F-A084-34ABAA94DD84}"/>
+                <a16:creationId xmlns:a16="http://schemas.microsoft.com/office/drawing/2014/main" id="{6B216178-077C-0CDA-3110-8474C6258E09}"/>
               </a:ext>
             </a:extLst>
           </p:cNvPr>
@@ -990,7 +990,7 @@
           <p:cNvPr id="3" name="文本占位符 2">
             <a:extLst>
               <a:ext uri="{FF2B5EF4-FFF2-40B4-BE49-F238E27FC236}">
-                <a16:creationId xmlns:a16="http://schemas.microsoft.com/office/drawing/2014/main" id="{ED4B6926-B248-C9B9-C7AC-23EA419318D4}"/>
+                <a16:creationId xmlns:a16="http://schemas.microsoft.com/office/drawing/2014/main" id="{49771355-9983-8FD4-F7FB-47D1568BF5B3}"/>
               </a:ext>
             </a:extLst>
           </p:cNvPr>
@@ -1115,7 +1115,7 @@
           <p:cNvPr id="4" name="日期占位符 3">
             <a:extLst>
               <a:ext uri="{FF2B5EF4-FFF2-40B4-BE49-F238E27FC236}">
-                <a16:creationId xmlns:a16="http://schemas.microsoft.com/office/drawing/2014/main" id="{E25A7CC2-12F2-3812-3F4F-1A2DE8285C6F}"/>
+                <a16:creationId xmlns:a16="http://schemas.microsoft.com/office/drawing/2014/main" id="{0CD70CC0-9D67-C433-FA9A-33C06763E223}"/>
               </a:ext>
             </a:extLst>
           </p:cNvPr>
@@ -1131,7 +1131,7 @@
           <a:bodyPr/>
           <a:lstStyle/>
           <a:p>
-            <a:fld id="{1031885F-9B5F-4463-BB22-7F27E4FB59D4}" type="datetimeFigureOut">
+            <a:fld id="{2E91B748-3081-456E-A9C4-D11A5DFE1A6A}" type="datetimeFigureOut">
               <a:rPr lang="zh-CN" altLang="en-US" smtClean="0"/>
               <a:t>2024/3/10</a:t>
             </a:fld>
@@ -1144,7 +1144,7 @@
           <p:cNvPr id="5" name="页脚占位符 4">
             <a:extLst>
               <a:ext uri="{FF2B5EF4-FFF2-40B4-BE49-F238E27FC236}">
-                <a16:creationId xmlns:a16="http://schemas.microsoft.com/office/drawing/2014/main" id="{A9A91DD1-3547-9AB5-D6FF-011E82A1E62E}"/>
+                <a16:creationId xmlns:a16="http://schemas.microsoft.com/office/drawing/2014/main" id="{1292F563-1438-46AB-D54F-3BB34FEF8D22}"/>
               </a:ext>
             </a:extLst>
           </p:cNvPr>
@@ -1169,7 +1169,7 @@
           <p:cNvPr id="6" name="灯片编号占位符 5">
             <a:extLst>
               <a:ext uri="{FF2B5EF4-FFF2-40B4-BE49-F238E27FC236}">
-                <a16:creationId xmlns:a16="http://schemas.microsoft.com/office/drawing/2014/main" id="{3FF71D9F-B975-B9B5-565D-4ED6C0C5FB2C}"/>
+                <a16:creationId xmlns:a16="http://schemas.microsoft.com/office/drawing/2014/main" id="{16A13E08-5E4E-C4E6-D1D7-367D557694B6}"/>
               </a:ext>
             </a:extLst>
           </p:cNvPr>
@@ -1185,7 +1185,7 @@
           <a:bodyPr/>
           <a:lstStyle/>
           <a:p>
-            <a:fld id="{C9D4FD28-FC6D-44DD-9C66-58C0150BB2B3}" type="slidenum">
+            <a:fld id="{33F2C2C5-0904-40B8-A0C4-C549F08E5780}" type="slidenum">
               <a:rPr lang="zh-CN" altLang="en-US" smtClean="0"/>
               <a:t>‹#›</a:t>
             </a:fld>
@@ -1196,7 +1196,7 @@
     </p:spTree>
     <p:extLst>
       <p:ext uri="{BB962C8B-B14F-4D97-AF65-F5344CB8AC3E}">
-        <p14:creationId xmlns:p14="http://schemas.microsoft.com/office/powerpoint/2010/main" val="2777888643"/>
+        <p14:creationId xmlns:p14="http://schemas.microsoft.com/office/powerpoint/2010/main" val="3799048338"/>
       </p:ext>
     </p:extLst>
   </p:cSld>
@@ -1228,7 +1228,7 @@
           <p:cNvPr id="2" name="标题 1">
             <a:extLst>
               <a:ext uri="{FF2B5EF4-FFF2-40B4-BE49-F238E27FC236}">
-                <a16:creationId xmlns:a16="http://schemas.microsoft.com/office/drawing/2014/main" id="{BEB43C27-3D17-6693-AD97-C7BE542AD390}"/>
+                <a16:creationId xmlns:a16="http://schemas.microsoft.com/office/drawing/2014/main" id="{8FCB9AD9-B052-95B3-AEFF-21E125EE3050}"/>
               </a:ext>
             </a:extLst>
           </p:cNvPr>
@@ -1256,7 +1256,7 @@
           <p:cNvPr id="3" name="内容占位符 2">
             <a:extLst>
               <a:ext uri="{FF2B5EF4-FFF2-40B4-BE49-F238E27FC236}">
-                <a16:creationId xmlns:a16="http://schemas.microsoft.com/office/drawing/2014/main" id="{7B37DF29-6D8A-6F55-CA56-281AFC7DC52A}"/>
+                <a16:creationId xmlns:a16="http://schemas.microsoft.com/office/drawing/2014/main" id="{5B139B95-6271-BCA6-CBFD-5129ACF24F57}"/>
               </a:ext>
             </a:extLst>
           </p:cNvPr>
@@ -1318,7 +1318,7 @@
           <p:cNvPr id="4" name="内容占位符 3">
             <a:extLst>
               <a:ext uri="{FF2B5EF4-FFF2-40B4-BE49-F238E27FC236}">
-                <a16:creationId xmlns:a16="http://schemas.microsoft.com/office/drawing/2014/main" id="{BBF55E10-F4C2-1D70-674B-6B39E3EE2A47}"/>
+                <a16:creationId xmlns:a16="http://schemas.microsoft.com/office/drawing/2014/main" id="{370243BF-F857-4A89-EEC6-EC4510AA39FE}"/>
               </a:ext>
             </a:extLst>
           </p:cNvPr>
@@ -1380,7 +1380,7 @@
           <p:cNvPr id="5" name="日期占位符 4">
             <a:extLst>
               <a:ext uri="{FF2B5EF4-FFF2-40B4-BE49-F238E27FC236}">
-                <a16:creationId xmlns:a16="http://schemas.microsoft.com/office/drawing/2014/main" id="{14D4446E-D4FA-AF36-64D8-5F10FAA06DEA}"/>
+                <a16:creationId xmlns:a16="http://schemas.microsoft.com/office/drawing/2014/main" id="{29B55AF8-9171-6D51-7354-22DA0118B156}"/>
               </a:ext>
             </a:extLst>
           </p:cNvPr>
@@ -1396,7 +1396,7 @@
           <a:bodyPr/>
           <a:lstStyle/>
           <a:p>
-            <a:fld id="{1031885F-9B5F-4463-BB22-7F27E4FB59D4}" type="datetimeFigureOut">
+            <a:fld id="{2E91B748-3081-456E-A9C4-D11A5DFE1A6A}" type="datetimeFigureOut">
               <a:rPr lang="zh-CN" altLang="en-US" smtClean="0"/>
               <a:t>2024/3/10</a:t>
             </a:fld>
@@ -1409,7 +1409,7 @@
           <p:cNvPr id="6" name="页脚占位符 5">
             <a:extLst>
               <a:ext uri="{FF2B5EF4-FFF2-40B4-BE49-F238E27FC236}">
-                <a16:creationId xmlns:a16="http://schemas.microsoft.com/office/drawing/2014/main" id="{F4091002-6853-C9D6-3E6D-B26AF3639389}"/>
+                <a16:creationId xmlns:a16="http://schemas.microsoft.com/office/drawing/2014/main" id="{291F27C5-1AC1-5F21-FE0E-FD9B8EB3E646}"/>
               </a:ext>
             </a:extLst>
           </p:cNvPr>
@@ -1434,7 +1434,7 @@
           <p:cNvPr id="7" name="灯片编号占位符 6">
             <a:extLst>
               <a:ext uri="{FF2B5EF4-FFF2-40B4-BE49-F238E27FC236}">
-                <a16:creationId xmlns:a16="http://schemas.microsoft.com/office/drawing/2014/main" id="{CE2989B3-8DF2-A471-4A95-42D74A866B64}"/>
+                <a16:creationId xmlns:a16="http://schemas.microsoft.com/office/drawing/2014/main" id="{01D73908-3B64-EF7F-5E22-069B4FAA69D6}"/>
               </a:ext>
             </a:extLst>
           </p:cNvPr>
@@ -1450,7 +1450,7 @@
           <a:bodyPr/>
           <a:lstStyle/>
           <a:p>
-            <a:fld id="{C9D4FD28-FC6D-44DD-9C66-58C0150BB2B3}" type="slidenum">
+            <a:fld id="{33F2C2C5-0904-40B8-A0C4-C549F08E5780}" type="slidenum">
               <a:rPr lang="zh-CN" altLang="en-US" smtClean="0"/>
               <a:t>‹#›</a:t>
             </a:fld>
@@ -1461,7 +1461,7 @@
     </p:spTree>
     <p:extLst>
       <p:ext uri="{BB962C8B-B14F-4D97-AF65-F5344CB8AC3E}">
-        <p14:creationId xmlns:p14="http://schemas.microsoft.com/office/powerpoint/2010/main" val="4051810148"/>
+        <p14:creationId xmlns:p14="http://schemas.microsoft.com/office/powerpoint/2010/main" val="232180017"/>
       </p:ext>
     </p:extLst>
   </p:cSld>
@@ -1493,7 +1493,7 @@
           <p:cNvPr id="2" name="标题 1">
             <a:extLst>
               <a:ext uri="{FF2B5EF4-FFF2-40B4-BE49-F238E27FC236}">
-                <a16:creationId xmlns:a16="http://schemas.microsoft.com/office/drawing/2014/main" id="{D10C6FED-2331-E48D-D7A9-F6A2103CBBDD}"/>
+                <a16:creationId xmlns:a16="http://schemas.microsoft.com/office/drawing/2014/main" id="{A223B91E-8870-EF82-6BA5-28C18452D418}"/>
               </a:ext>
             </a:extLst>
           </p:cNvPr>
@@ -1526,7 +1526,7 @@
           <p:cNvPr id="3" name="文本占位符 2">
             <a:extLst>
               <a:ext uri="{FF2B5EF4-FFF2-40B4-BE49-F238E27FC236}">
-                <a16:creationId xmlns:a16="http://schemas.microsoft.com/office/drawing/2014/main" id="{E9B0443D-D8E4-B30B-F347-DA4C1F87E332}"/>
+                <a16:creationId xmlns:a16="http://schemas.microsoft.com/office/drawing/2014/main" id="{4732CB1D-8B6A-1663-087F-9A94A4E91710}"/>
               </a:ext>
             </a:extLst>
           </p:cNvPr>
@@ -1597,7 +1597,7 @@
           <p:cNvPr id="4" name="内容占位符 3">
             <a:extLst>
               <a:ext uri="{FF2B5EF4-FFF2-40B4-BE49-F238E27FC236}">
-                <a16:creationId xmlns:a16="http://schemas.microsoft.com/office/drawing/2014/main" id="{51893BFD-2D09-B511-2B49-1375D05A5B21}"/>
+                <a16:creationId xmlns:a16="http://schemas.microsoft.com/office/drawing/2014/main" id="{DB0930CD-B2D8-7523-5FE1-7FD261AE49AB}"/>
               </a:ext>
             </a:extLst>
           </p:cNvPr>
@@ -1659,7 +1659,7 @@
           <p:cNvPr id="5" name="文本占位符 4">
             <a:extLst>
               <a:ext uri="{FF2B5EF4-FFF2-40B4-BE49-F238E27FC236}">
-                <a16:creationId xmlns:a16="http://schemas.microsoft.com/office/drawing/2014/main" id="{27E91EFE-311A-9BC2-4777-5359EEF86AE8}"/>
+                <a16:creationId xmlns:a16="http://schemas.microsoft.com/office/drawing/2014/main" id="{E4A0471C-B185-5923-99E7-5F154A16C923}"/>
               </a:ext>
             </a:extLst>
           </p:cNvPr>
@@ -1730,7 +1730,7 @@
           <p:cNvPr id="6" name="内容占位符 5">
             <a:extLst>
               <a:ext uri="{FF2B5EF4-FFF2-40B4-BE49-F238E27FC236}">
-                <a16:creationId xmlns:a16="http://schemas.microsoft.com/office/drawing/2014/main" id="{D68727C2-4BC8-7605-C6FA-E639A7E65651}"/>
+                <a16:creationId xmlns:a16="http://schemas.microsoft.com/office/drawing/2014/main" id="{967BF49E-BEEC-7097-D378-481DF6326D2C}"/>
               </a:ext>
             </a:extLst>
           </p:cNvPr>
@@ -1792,7 +1792,7 @@
           <p:cNvPr id="7" name="日期占位符 6">
             <a:extLst>
               <a:ext uri="{FF2B5EF4-FFF2-40B4-BE49-F238E27FC236}">
-                <a16:creationId xmlns:a16="http://schemas.microsoft.com/office/drawing/2014/main" id="{2CAE6262-D2F8-25CE-275D-7BEEC3E46B7C}"/>
+                <a16:creationId xmlns:a16="http://schemas.microsoft.com/office/drawing/2014/main" id="{8F9211A4-0F07-BEB6-CF64-FA96ECC1A072}"/>
               </a:ext>
             </a:extLst>
           </p:cNvPr>
@@ -1808,7 +1808,7 @@
           <a:bodyPr/>
           <a:lstStyle/>
           <a:p>
-            <a:fld id="{1031885F-9B5F-4463-BB22-7F27E4FB59D4}" type="datetimeFigureOut">
+            <a:fld id="{2E91B748-3081-456E-A9C4-D11A5DFE1A6A}" type="datetimeFigureOut">
               <a:rPr lang="zh-CN" altLang="en-US" smtClean="0"/>
               <a:t>2024/3/10</a:t>
             </a:fld>
@@ -1821,7 +1821,7 @@
           <p:cNvPr id="8" name="页脚占位符 7">
             <a:extLst>
               <a:ext uri="{FF2B5EF4-FFF2-40B4-BE49-F238E27FC236}">
-                <a16:creationId xmlns:a16="http://schemas.microsoft.com/office/drawing/2014/main" id="{F6560A0B-1860-F698-2F05-2B3776774E52}"/>
+                <a16:creationId xmlns:a16="http://schemas.microsoft.com/office/drawing/2014/main" id="{B5198435-68AB-04B8-64EC-7A877DBCE86D}"/>
               </a:ext>
             </a:extLst>
           </p:cNvPr>
@@ -1846,7 +1846,7 @@
           <p:cNvPr id="9" name="灯片编号占位符 8">
             <a:extLst>
               <a:ext uri="{FF2B5EF4-FFF2-40B4-BE49-F238E27FC236}">
-                <a16:creationId xmlns:a16="http://schemas.microsoft.com/office/drawing/2014/main" id="{116B351B-93BB-50FB-E5D9-5B026D28C3C2}"/>
+                <a16:creationId xmlns:a16="http://schemas.microsoft.com/office/drawing/2014/main" id="{2DA0366F-BBFF-E44D-4946-BA01108EAFC2}"/>
               </a:ext>
             </a:extLst>
           </p:cNvPr>
@@ -1862,7 +1862,7 @@
           <a:bodyPr/>
           <a:lstStyle/>
           <a:p>
-            <a:fld id="{C9D4FD28-FC6D-44DD-9C66-58C0150BB2B3}" type="slidenum">
+            <a:fld id="{33F2C2C5-0904-40B8-A0C4-C549F08E5780}" type="slidenum">
               <a:rPr lang="zh-CN" altLang="en-US" smtClean="0"/>
               <a:t>‹#›</a:t>
             </a:fld>
@@ -1873,7 +1873,7 @@
     </p:spTree>
     <p:extLst>
       <p:ext uri="{BB962C8B-B14F-4D97-AF65-F5344CB8AC3E}">
-        <p14:creationId xmlns:p14="http://schemas.microsoft.com/office/powerpoint/2010/main" val="3393681360"/>
+        <p14:creationId xmlns:p14="http://schemas.microsoft.com/office/powerpoint/2010/main" val="1354963568"/>
       </p:ext>
     </p:extLst>
   </p:cSld>
@@ -1905,7 +1905,7 @@
           <p:cNvPr id="2" name="标题 1">
             <a:extLst>
               <a:ext uri="{FF2B5EF4-FFF2-40B4-BE49-F238E27FC236}">
-                <a16:creationId xmlns:a16="http://schemas.microsoft.com/office/drawing/2014/main" id="{2CABFE60-6DEF-452B-7F36-1733E38DC1ED}"/>
+                <a16:creationId xmlns:a16="http://schemas.microsoft.com/office/drawing/2014/main" id="{74377810-4441-8D4E-8FC8-62C604C89FCB}"/>
               </a:ext>
             </a:extLst>
           </p:cNvPr>
@@ -1933,7 +1933,7 @@
           <p:cNvPr id="3" name="日期占位符 2">
             <a:extLst>
               <a:ext uri="{FF2B5EF4-FFF2-40B4-BE49-F238E27FC236}">
-                <a16:creationId xmlns:a16="http://schemas.microsoft.com/office/drawing/2014/main" id="{034FCE68-6D93-F305-89B1-003E5812C97B}"/>
+                <a16:creationId xmlns:a16="http://schemas.microsoft.com/office/drawing/2014/main" id="{E642A464-E672-BF35-3BBA-1F0EBEA191A6}"/>
               </a:ext>
             </a:extLst>
           </p:cNvPr>
@@ -1949,7 +1949,7 @@
           <a:bodyPr/>
           <a:lstStyle/>
           <a:p>
-            <a:fld id="{1031885F-9B5F-4463-BB22-7F27E4FB59D4}" type="datetimeFigureOut">
+            <a:fld id="{2E91B748-3081-456E-A9C4-D11A5DFE1A6A}" type="datetimeFigureOut">
               <a:rPr lang="zh-CN" altLang="en-US" smtClean="0"/>
               <a:t>2024/3/10</a:t>
             </a:fld>
@@ -1962,7 +1962,7 @@
           <p:cNvPr id="4" name="页脚占位符 3">
             <a:extLst>
               <a:ext uri="{FF2B5EF4-FFF2-40B4-BE49-F238E27FC236}">
-                <a16:creationId xmlns:a16="http://schemas.microsoft.com/office/drawing/2014/main" id="{50E6F527-3BA0-1760-1257-B71B2D675072}"/>
+                <a16:creationId xmlns:a16="http://schemas.microsoft.com/office/drawing/2014/main" id="{CB17138B-1AB7-50C0-956D-D8F9FAFB9C5C}"/>
               </a:ext>
             </a:extLst>
           </p:cNvPr>
@@ -1987,7 +1987,7 @@
           <p:cNvPr id="5" name="灯片编号占位符 4">
             <a:extLst>
               <a:ext uri="{FF2B5EF4-FFF2-40B4-BE49-F238E27FC236}">
-                <a16:creationId xmlns:a16="http://schemas.microsoft.com/office/drawing/2014/main" id="{5FA832D3-E9B7-BB09-3F91-A80BB091A8A2}"/>
+                <a16:creationId xmlns:a16="http://schemas.microsoft.com/office/drawing/2014/main" id="{EF44C3DB-3572-D862-BF04-90AFFE668858}"/>
               </a:ext>
             </a:extLst>
           </p:cNvPr>
@@ -2003,7 +2003,7 @@
           <a:bodyPr/>
           <a:lstStyle/>
           <a:p>
-            <a:fld id="{C9D4FD28-FC6D-44DD-9C66-58C0150BB2B3}" type="slidenum">
+            <a:fld id="{33F2C2C5-0904-40B8-A0C4-C549F08E5780}" type="slidenum">
               <a:rPr lang="zh-CN" altLang="en-US" smtClean="0"/>
               <a:t>‹#›</a:t>
             </a:fld>
@@ -2014,7 +2014,7 @@
     </p:spTree>
     <p:extLst>
       <p:ext uri="{BB962C8B-B14F-4D97-AF65-F5344CB8AC3E}">
-        <p14:creationId xmlns:p14="http://schemas.microsoft.com/office/powerpoint/2010/main" val="1349066203"/>
+        <p14:creationId xmlns:p14="http://schemas.microsoft.com/office/powerpoint/2010/main" val="3946147221"/>
       </p:ext>
     </p:extLst>
   </p:cSld>
@@ -2046,7 +2046,7 @@
           <p:cNvPr id="2" name="日期占位符 1">
             <a:extLst>
               <a:ext uri="{FF2B5EF4-FFF2-40B4-BE49-F238E27FC236}">
-                <a16:creationId xmlns:a16="http://schemas.microsoft.com/office/drawing/2014/main" id="{4FB2099A-95AE-25A0-9747-6D44A3B799AA}"/>
+                <a16:creationId xmlns:a16="http://schemas.microsoft.com/office/drawing/2014/main" id="{5EBC6188-C877-50C9-9DC0-47ACB057CF78}"/>
               </a:ext>
             </a:extLst>
           </p:cNvPr>
@@ -2062,7 +2062,7 @@
           <a:bodyPr/>
           <a:lstStyle/>
           <a:p>
-            <a:fld id="{1031885F-9B5F-4463-BB22-7F27E4FB59D4}" type="datetimeFigureOut">
+            <a:fld id="{2E91B748-3081-456E-A9C4-D11A5DFE1A6A}" type="datetimeFigureOut">
               <a:rPr lang="zh-CN" altLang="en-US" smtClean="0"/>
               <a:t>2024/3/10</a:t>
             </a:fld>
@@ -2075,7 +2075,7 @@
           <p:cNvPr id="3" name="页脚占位符 2">
             <a:extLst>
               <a:ext uri="{FF2B5EF4-FFF2-40B4-BE49-F238E27FC236}">
-                <a16:creationId xmlns:a16="http://schemas.microsoft.com/office/drawing/2014/main" id="{8C90C75F-4D6A-81C2-F2A4-4877168404F2}"/>
+                <a16:creationId xmlns:a16="http://schemas.microsoft.com/office/drawing/2014/main" id="{12265A4A-885C-2F10-7D16-014EC3F545F7}"/>
               </a:ext>
             </a:extLst>
           </p:cNvPr>
@@ -2100,7 +2100,7 @@
           <p:cNvPr id="4" name="灯片编号占位符 3">
             <a:extLst>
               <a:ext uri="{FF2B5EF4-FFF2-40B4-BE49-F238E27FC236}">
-                <a16:creationId xmlns:a16="http://schemas.microsoft.com/office/drawing/2014/main" id="{2B5EAAE7-46DF-DA68-2D42-9D6CA4332F64}"/>
+                <a16:creationId xmlns:a16="http://schemas.microsoft.com/office/drawing/2014/main" id="{E6757D29-30C6-B6C4-463E-F3A498A48665}"/>
               </a:ext>
             </a:extLst>
           </p:cNvPr>
@@ -2116,7 +2116,7 @@
           <a:bodyPr/>
           <a:lstStyle/>
           <a:p>
-            <a:fld id="{C9D4FD28-FC6D-44DD-9C66-58C0150BB2B3}" type="slidenum">
+            <a:fld id="{33F2C2C5-0904-40B8-A0C4-C549F08E5780}" type="slidenum">
               <a:rPr lang="zh-CN" altLang="en-US" smtClean="0"/>
               <a:t>‹#›</a:t>
             </a:fld>
@@ -2127,7 +2127,7 @@
     </p:spTree>
     <p:extLst>
       <p:ext uri="{BB962C8B-B14F-4D97-AF65-F5344CB8AC3E}">
-        <p14:creationId xmlns:p14="http://schemas.microsoft.com/office/powerpoint/2010/main" val="4087443175"/>
+        <p14:creationId xmlns:p14="http://schemas.microsoft.com/office/powerpoint/2010/main" val="128042578"/>
       </p:ext>
     </p:extLst>
   </p:cSld>
@@ -2159,7 +2159,7 @@
           <p:cNvPr id="2" name="标题 1">
             <a:extLst>
               <a:ext uri="{FF2B5EF4-FFF2-40B4-BE49-F238E27FC236}">
-                <a16:creationId xmlns:a16="http://schemas.microsoft.com/office/drawing/2014/main" id="{F0726712-F7AF-76AB-B399-68EF62288E43}"/>
+                <a16:creationId xmlns:a16="http://schemas.microsoft.com/office/drawing/2014/main" id="{0CC15D42-ECE4-45C6-4110-E512708B1CA8}"/>
               </a:ext>
             </a:extLst>
           </p:cNvPr>
@@ -2196,7 +2196,7 @@
           <p:cNvPr id="3" name="内容占位符 2">
             <a:extLst>
               <a:ext uri="{FF2B5EF4-FFF2-40B4-BE49-F238E27FC236}">
-                <a16:creationId xmlns:a16="http://schemas.microsoft.com/office/drawing/2014/main" id="{024A98BE-F946-6CB7-DFBB-40128578312E}"/>
+                <a16:creationId xmlns:a16="http://schemas.microsoft.com/office/drawing/2014/main" id="{DE65F292-08DD-4216-1A5E-FAA5C19B5232}"/>
               </a:ext>
             </a:extLst>
           </p:cNvPr>
@@ -2286,7 +2286,7 @@
           <p:cNvPr id="4" name="文本占位符 3">
             <a:extLst>
               <a:ext uri="{FF2B5EF4-FFF2-40B4-BE49-F238E27FC236}">
-                <a16:creationId xmlns:a16="http://schemas.microsoft.com/office/drawing/2014/main" id="{C04DDF8E-DE7B-6A2D-0760-FEB807D08581}"/>
+                <a16:creationId xmlns:a16="http://schemas.microsoft.com/office/drawing/2014/main" id="{83395E62-2A82-4BE1-3FB2-87CBA2C80362}"/>
               </a:ext>
             </a:extLst>
           </p:cNvPr>
@@ -2357,7 +2357,7 @@
           <p:cNvPr id="5" name="日期占位符 4">
             <a:extLst>
               <a:ext uri="{FF2B5EF4-FFF2-40B4-BE49-F238E27FC236}">
-                <a16:creationId xmlns:a16="http://schemas.microsoft.com/office/drawing/2014/main" id="{B332881D-FB3D-C621-1D06-F7A929792151}"/>
+                <a16:creationId xmlns:a16="http://schemas.microsoft.com/office/drawing/2014/main" id="{F9963276-8679-B5ED-E6FB-C3CD96E2AB40}"/>
               </a:ext>
             </a:extLst>
           </p:cNvPr>
@@ -2373,7 +2373,7 @@
           <a:bodyPr/>
           <a:lstStyle/>
           <a:p>
-            <a:fld id="{1031885F-9B5F-4463-BB22-7F27E4FB59D4}" type="datetimeFigureOut">
+            <a:fld id="{2E91B748-3081-456E-A9C4-D11A5DFE1A6A}" type="datetimeFigureOut">
               <a:rPr lang="zh-CN" altLang="en-US" smtClean="0"/>
               <a:t>2024/3/10</a:t>
             </a:fld>
@@ -2386,7 +2386,7 @@
           <p:cNvPr id="6" name="页脚占位符 5">
             <a:extLst>
               <a:ext uri="{FF2B5EF4-FFF2-40B4-BE49-F238E27FC236}">
-                <a16:creationId xmlns:a16="http://schemas.microsoft.com/office/drawing/2014/main" id="{E04AF320-4D9A-4167-E7C0-C44A4B346536}"/>
+                <a16:creationId xmlns:a16="http://schemas.microsoft.com/office/drawing/2014/main" id="{AC86D645-C8D1-C85D-998D-642769BDC317}"/>
               </a:ext>
             </a:extLst>
           </p:cNvPr>
@@ -2411,7 +2411,7 @@
           <p:cNvPr id="7" name="灯片编号占位符 6">
             <a:extLst>
               <a:ext uri="{FF2B5EF4-FFF2-40B4-BE49-F238E27FC236}">
-                <a16:creationId xmlns:a16="http://schemas.microsoft.com/office/drawing/2014/main" id="{9B5D89CD-279A-2EDF-8282-178E445EFFE7}"/>
+                <a16:creationId xmlns:a16="http://schemas.microsoft.com/office/drawing/2014/main" id="{EA0A856B-8922-A993-AE7C-E6555EF321B4}"/>
               </a:ext>
             </a:extLst>
           </p:cNvPr>
@@ -2427,7 +2427,7 @@
           <a:bodyPr/>
           <a:lstStyle/>
           <a:p>
-            <a:fld id="{C9D4FD28-FC6D-44DD-9C66-58C0150BB2B3}" type="slidenum">
+            <a:fld id="{33F2C2C5-0904-40B8-A0C4-C549F08E5780}" type="slidenum">
               <a:rPr lang="zh-CN" altLang="en-US" smtClean="0"/>
               <a:t>‹#›</a:t>
             </a:fld>
@@ -2438,7 +2438,7 @@
     </p:spTree>
     <p:extLst>
       <p:ext uri="{BB962C8B-B14F-4D97-AF65-F5344CB8AC3E}">
-        <p14:creationId xmlns:p14="http://schemas.microsoft.com/office/powerpoint/2010/main" val="3598154761"/>
+        <p14:creationId xmlns:p14="http://schemas.microsoft.com/office/powerpoint/2010/main" val="1758231547"/>
       </p:ext>
     </p:extLst>
   </p:cSld>
@@ -2470,7 +2470,7 @@
           <p:cNvPr id="2" name="标题 1">
             <a:extLst>
               <a:ext uri="{FF2B5EF4-FFF2-40B4-BE49-F238E27FC236}">
-                <a16:creationId xmlns:a16="http://schemas.microsoft.com/office/drawing/2014/main" id="{A8E7E12B-ABC3-D5AB-2F08-D415209E367B}"/>
+                <a16:creationId xmlns:a16="http://schemas.microsoft.com/office/drawing/2014/main" id="{62C3B56F-FE2B-E27F-40F0-93F4959936BD}"/>
               </a:ext>
             </a:extLst>
           </p:cNvPr>
@@ -2507,7 +2507,7 @@
           <p:cNvPr id="3" name="图片占位符 2">
             <a:extLst>
               <a:ext uri="{FF2B5EF4-FFF2-40B4-BE49-F238E27FC236}">
-                <a16:creationId xmlns:a16="http://schemas.microsoft.com/office/drawing/2014/main" id="{15327DF2-2A9E-8A23-8CCB-497DFEE10020}"/>
+                <a16:creationId xmlns:a16="http://schemas.microsoft.com/office/drawing/2014/main" id="{F9611E58-6CC5-D30A-B5F3-125DF299C2A4}"/>
               </a:ext>
             </a:extLst>
           </p:cNvPr>
@@ -2574,7 +2574,7 @@
           <p:cNvPr id="4" name="文本占位符 3">
             <a:extLst>
               <a:ext uri="{FF2B5EF4-FFF2-40B4-BE49-F238E27FC236}">
-                <a16:creationId xmlns:a16="http://schemas.microsoft.com/office/drawing/2014/main" id="{24241B56-2345-6F9A-FCB9-6F8B4AF88DD2}"/>
+                <a16:creationId xmlns:a16="http://schemas.microsoft.com/office/drawing/2014/main" id="{D07833BD-6DF8-A87A-19E6-4A9C03C65224}"/>
               </a:ext>
             </a:extLst>
           </p:cNvPr>
@@ -2645,7 +2645,7 @@
           <p:cNvPr id="5" name="日期占位符 4">
             <a:extLst>
               <a:ext uri="{FF2B5EF4-FFF2-40B4-BE49-F238E27FC236}">
-                <a16:creationId xmlns:a16="http://schemas.microsoft.com/office/drawing/2014/main" id="{DE79F3C9-B7D0-D868-6F73-4D51F29EA6CC}"/>
+                <a16:creationId xmlns:a16="http://schemas.microsoft.com/office/drawing/2014/main" id="{9A82861C-2C50-A32C-429C-D50C220DDE5B}"/>
               </a:ext>
             </a:extLst>
           </p:cNvPr>
@@ -2661,7 +2661,7 @@
           <a:bodyPr/>
           <a:lstStyle/>
           <a:p>
-            <a:fld id="{1031885F-9B5F-4463-BB22-7F27E4FB59D4}" type="datetimeFigureOut">
+            <a:fld id="{2E91B748-3081-456E-A9C4-D11A5DFE1A6A}" type="datetimeFigureOut">
               <a:rPr lang="zh-CN" altLang="en-US" smtClean="0"/>
               <a:t>2024/3/10</a:t>
             </a:fld>
@@ -2674,7 +2674,7 @@
           <p:cNvPr id="6" name="页脚占位符 5">
             <a:extLst>
               <a:ext uri="{FF2B5EF4-FFF2-40B4-BE49-F238E27FC236}">
-                <a16:creationId xmlns:a16="http://schemas.microsoft.com/office/drawing/2014/main" id="{73F82252-E3EC-9E7C-3F30-71DA81317705}"/>
+                <a16:creationId xmlns:a16="http://schemas.microsoft.com/office/drawing/2014/main" id="{03A84359-61B4-0C4C-FD1C-AF96F8FA1FFF}"/>
               </a:ext>
             </a:extLst>
           </p:cNvPr>
@@ -2699,7 +2699,7 @@
           <p:cNvPr id="7" name="灯片编号占位符 6">
             <a:extLst>
               <a:ext uri="{FF2B5EF4-FFF2-40B4-BE49-F238E27FC236}">
-                <a16:creationId xmlns:a16="http://schemas.microsoft.com/office/drawing/2014/main" id="{078B8885-E755-0D4F-4474-0157B9C8FA35}"/>
+                <a16:creationId xmlns:a16="http://schemas.microsoft.com/office/drawing/2014/main" id="{2A154F7F-08AE-87F2-78B1-289401A9045D}"/>
               </a:ext>
             </a:extLst>
           </p:cNvPr>
@@ -2715,7 +2715,7 @@
           <a:bodyPr/>
           <a:lstStyle/>
           <a:p>
-            <a:fld id="{C9D4FD28-FC6D-44DD-9C66-58C0150BB2B3}" type="slidenum">
+            <a:fld id="{33F2C2C5-0904-40B8-A0C4-C549F08E5780}" type="slidenum">
               <a:rPr lang="zh-CN" altLang="en-US" smtClean="0"/>
               <a:t>‹#›</a:t>
             </a:fld>
@@ -2726,7 +2726,7 @@
     </p:spTree>
     <p:extLst>
       <p:ext uri="{BB962C8B-B14F-4D97-AF65-F5344CB8AC3E}">
-        <p14:creationId xmlns:p14="http://schemas.microsoft.com/office/powerpoint/2010/main" val="3950855844"/>
+        <p14:creationId xmlns:p14="http://schemas.microsoft.com/office/powerpoint/2010/main" val="1923373179"/>
       </p:ext>
     </p:extLst>
   </p:cSld>
@@ -2763,7 +2763,7 @@
           <p:cNvPr id="2" name="标题占位符 1">
             <a:extLst>
               <a:ext uri="{FF2B5EF4-FFF2-40B4-BE49-F238E27FC236}">
-                <a16:creationId xmlns:a16="http://schemas.microsoft.com/office/drawing/2014/main" id="{1E0DB7D6-BBC0-E897-4056-52F11D55C4A5}"/>
+                <a16:creationId xmlns:a16="http://schemas.microsoft.com/office/drawing/2014/main" id="{8A8E7037-4ACB-3A7D-4FC5-06538DEA2BBB}"/>
               </a:ext>
             </a:extLst>
           </p:cNvPr>
@@ -2801,7 +2801,7 @@
           <p:cNvPr id="3" name="文本占位符 2">
             <a:extLst>
               <a:ext uri="{FF2B5EF4-FFF2-40B4-BE49-F238E27FC236}">
-                <a16:creationId xmlns:a16="http://schemas.microsoft.com/office/drawing/2014/main" id="{B7BA6E21-5EF2-5989-EA44-5D0D44F168D4}"/>
+                <a16:creationId xmlns:a16="http://schemas.microsoft.com/office/drawing/2014/main" id="{CDFDE592-A83E-727E-3009-6DE7E1454C65}"/>
               </a:ext>
             </a:extLst>
           </p:cNvPr>
@@ -2868,7 +2868,7 @@
           <p:cNvPr id="4" name="日期占位符 3">
             <a:extLst>
               <a:ext uri="{FF2B5EF4-FFF2-40B4-BE49-F238E27FC236}">
-                <a16:creationId xmlns:a16="http://schemas.microsoft.com/office/drawing/2014/main" id="{0BA7CB0F-81B1-6A52-D463-9DAA31EFFCBB}"/>
+                <a16:creationId xmlns:a16="http://schemas.microsoft.com/office/drawing/2014/main" id="{8D1A4673-4A36-B554-9DDE-A09542F8CE31}"/>
               </a:ext>
             </a:extLst>
           </p:cNvPr>
@@ -2902,7 +2902,7 @@
             </a:lvl1pPr>
           </a:lstStyle>
           <a:p>
-            <a:fld id="{1031885F-9B5F-4463-BB22-7F27E4FB59D4}" type="datetimeFigureOut">
+            <a:fld id="{2E91B748-3081-456E-A9C4-D11A5DFE1A6A}" type="datetimeFigureOut">
               <a:rPr lang="zh-CN" altLang="en-US" smtClean="0"/>
               <a:t>2024/3/10</a:t>
             </a:fld>
@@ -2915,7 +2915,7 @@
           <p:cNvPr id="5" name="页脚占位符 4">
             <a:extLst>
               <a:ext uri="{FF2B5EF4-FFF2-40B4-BE49-F238E27FC236}">
-                <a16:creationId xmlns:a16="http://schemas.microsoft.com/office/drawing/2014/main" id="{714FF146-1CFF-1F46-09F4-16AC3ECDF460}"/>
+                <a16:creationId xmlns:a16="http://schemas.microsoft.com/office/drawing/2014/main" id="{103D07D4-FFC8-3DE7-0D2C-BADC9801AE7A}"/>
               </a:ext>
             </a:extLst>
           </p:cNvPr>
@@ -2958,7 +2958,7 @@
           <p:cNvPr id="6" name="灯片编号占位符 5">
             <a:extLst>
               <a:ext uri="{FF2B5EF4-FFF2-40B4-BE49-F238E27FC236}">
-                <a16:creationId xmlns:a16="http://schemas.microsoft.com/office/drawing/2014/main" id="{AD094696-25A7-5704-FE69-5DDE30F92154}"/>
+                <a16:creationId xmlns:a16="http://schemas.microsoft.com/office/drawing/2014/main" id="{1A75E8A8-7504-1D05-316B-6AE68622CCBE}"/>
               </a:ext>
             </a:extLst>
           </p:cNvPr>
@@ -2992,7 +2992,7 @@
             </a:lvl1pPr>
           </a:lstStyle>
           <a:p>
-            <a:fld id="{C9D4FD28-FC6D-44DD-9C66-58C0150BB2B3}" type="slidenum">
+            <a:fld id="{33F2C2C5-0904-40B8-A0C4-C549F08E5780}" type="slidenum">
               <a:rPr lang="zh-CN" altLang="en-US" smtClean="0"/>
               <a:t>‹#›</a:t>
             </a:fld>
@@ -3003,7 +3003,7 @@
     </p:spTree>
     <p:extLst>
       <p:ext uri="{BB962C8B-B14F-4D97-AF65-F5344CB8AC3E}">
-        <p14:creationId xmlns:p14="http://schemas.microsoft.com/office/powerpoint/2010/main" val="1157988147"/>
+        <p14:creationId xmlns:p14="http://schemas.microsoft.com/office/powerpoint/2010/main" val="1715876716"/>
       </p:ext>
     </p:extLst>
   </p:cSld>
